--- a/3_Hash.pptx
+++ b/3_Hash.pptx
@@ -307,7 +307,7 @@
           <a:p>
             <a:fld id="{DF31A291-CFB6-49F2-B6B4-374003F6C724}" type="datetimeFigureOut">
               <a:rPr lang="zh-TW" altLang="en-US" smtClean="0"/>
-              <a:t>2018/1/6</a:t>
+              <a:t>2018/1/28</a:t>
             </a:fld>
             <a:endParaRPr lang="zh-TW" altLang="en-US"/>
           </a:p>
@@ -507,7 +507,7 @@
           <a:p>
             <a:fld id="{DF31A291-CFB6-49F2-B6B4-374003F6C724}" type="datetimeFigureOut">
               <a:rPr lang="zh-TW" altLang="en-US" smtClean="0"/>
-              <a:t>2018/1/6</a:t>
+              <a:t>2018/1/28</a:t>
             </a:fld>
             <a:endParaRPr lang="zh-TW" altLang="en-US"/>
           </a:p>
@@ -717,7 +717,7 @@
           <a:p>
             <a:fld id="{DF31A291-CFB6-49F2-B6B4-374003F6C724}" type="datetimeFigureOut">
               <a:rPr lang="zh-TW" altLang="en-US" smtClean="0"/>
-              <a:t>2018/1/6</a:t>
+              <a:t>2018/1/28</a:t>
             </a:fld>
             <a:endParaRPr lang="zh-TW" altLang="en-US"/>
           </a:p>
@@ -917,7 +917,7 @@
           <a:p>
             <a:fld id="{DF31A291-CFB6-49F2-B6B4-374003F6C724}" type="datetimeFigureOut">
               <a:rPr lang="zh-TW" altLang="en-US" smtClean="0"/>
-              <a:t>2018/1/6</a:t>
+              <a:t>2018/1/28</a:t>
             </a:fld>
             <a:endParaRPr lang="zh-TW" altLang="en-US"/>
           </a:p>
@@ -1193,7 +1193,7 @@
           <a:p>
             <a:fld id="{DF31A291-CFB6-49F2-B6B4-374003F6C724}" type="datetimeFigureOut">
               <a:rPr lang="zh-TW" altLang="en-US" smtClean="0"/>
-              <a:t>2018/1/6</a:t>
+              <a:t>2018/1/28</a:t>
             </a:fld>
             <a:endParaRPr lang="zh-TW" altLang="en-US"/>
           </a:p>
@@ -1461,7 +1461,7 @@
           <a:p>
             <a:fld id="{DF31A291-CFB6-49F2-B6B4-374003F6C724}" type="datetimeFigureOut">
               <a:rPr lang="zh-TW" altLang="en-US" smtClean="0"/>
-              <a:t>2018/1/6</a:t>
+              <a:t>2018/1/28</a:t>
             </a:fld>
             <a:endParaRPr lang="zh-TW" altLang="en-US"/>
           </a:p>
@@ -1876,7 +1876,7 @@
           <a:p>
             <a:fld id="{DF31A291-CFB6-49F2-B6B4-374003F6C724}" type="datetimeFigureOut">
               <a:rPr lang="zh-TW" altLang="en-US" smtClean="0"/>
-              <a:t>2018/1/6</a:t>
+              <a:t>2018/1/28</a:t>
             </a:fld>
             <a:endParaRPr lang="zh-TW" altLang="en-US"/>
           </a:p>
@@ -2018,7 +2018,7 @@
           <a:p>
             <a:fld id="{DF31A291-CFB6-49F2-B6B4-374003F6C724}" type="datetimeFigureOut">
               <a:rPr lang="zh-TW" altLang="en-US" smtClean="0"/>
-              <a:t>2018/1/6</a:t>
+              <a:t>2018/1/28</a:t>
             </a:fld>
             <a:endParaRPr lang="zh-TW" altLang="en-US"/>
           </a:p>
@@ -2131,7 +2131,7 @@
           <a:p>
             <a:fld id="{DF31A291-CFB6-49F2-B6B4-374003F6C724}" type="datetimeFigureOut">
               <a:rPr lang="zh-TW" altLang="en-US" smtClean="0"/>
-              <a:t>2018/1/6</a:t>
+              <a:t>2018/1/28</a:t>
             </a:fld>
             <a:endParaRPr lang="zh-TW" altLang="en-US"/>
           </a:p>
@@ -2444,7 +2444,7 @@
           <a:p>
             <a:fld id="{DF31A291-CFB6-49F2-B6B4-374003F6C724}" type="datetimeFigureOut">
               <a:rPr lang="zh-TW" altLang="en-US" smtClean="0"/>
-              <a:t>2018/1/6</a:t>
+              <a:t>2018/1/28</a:t>
             </a:fld>
             <a:endParaRPr lang="zh-TW" altLang="en-US"/>
           </a:p>
@@ -2733,7 +2733,7 @@
           <a:p>
             <a:fld id="{DF31A291-CFB6-49F2-B6B4-374003F6C724}" type="datetimeFigureOut">
               <a:rPr lang="zh-TW" altLang="en-US" smtClean="0"/>
-              <a:t>2018/1/6</a:t>
+              <a:t>2018/1/28</a:t>
             </a:fld>
             <a:endParaRPr lang="zh-TW" altLang="en-US"/>
           </a:p>
@@ -2976,7 +2976,7 @@
           <a:p>
             <a:fld id="{DF31A291-CFB6-49F2-B6B4-374003F6C724}" type="datetimeFigureOut">
               <a:rPr lang="zh-TW" altLang="en-US" smtClean="0"/>
-              <a:t>2018/1/6</a:t>
+              <a:t>2018/1/28</a:t>
             </a:fld>
             <a:endParaRPr lang="zh-TW" altLang="en-US"/>
           </a:p>
@@ -9318,12 +9318,21 @@
                   <a:srgbClr val="FF0000"/>
                 </a:solidFill>
               </a:rPr>
-              <a:t>==, hash </a:t>
-            </a:r>
-            <a:r>
-              <a:rPr lang="en-GB" altLang="zh-TW" dirty="0"/>
+              <a:t>==, </a:t>
+            </a:r>
+            <a:r>
+              <a:rPr lang="en-GB" altLang="zh-TW">
+                <a:solidFill>
+                  <a:srgbClr val="FF0000"/>
+                </a:solidFill>
+              </a:rPr>
+              <a:t>hash </a:t>
+            </a:r>
+            <a:r>
+              <a:rPr lang="en-GB" altLang="zh-TW"/>
               <a:t>function!</a:t>
             </a:r>
+            <a:endParaRPr lang="en-GB" altLang="zh-TW" dirty="0"/>
           </a:p>
           <a:p>
             <a:endParaRPr lang="en-GB" altLang="zh-TW" dirty="0"/>

--- a/3_Hash.pptx
+++ b/3_Hash.pptx
@@ -9296,7 +9296,7 @@
           <a:p>
             <a:r>
               <a:rPr lang="en-GB" altLang="zh-TW" dirty="0"/>
-              <a:t>Hint: create a struct/class IC, and use (unordered_)map&lt;IC, </a:t>
+              <a:t>Hint: Create a map&lt;</a:t>
             </a:r>
             <a:r>
               <a:rPr lang="en-GB" altLang="zh-TW" dirty="0" err="1"/>
@@ -9304,37 +9304,37 @@
             </a:r>
             <a:r>
               <a:rPr lang="en-GB" altLang="zh-TW" dirty="0"/>
-              <a:t>&gt;</a:t>
-            </a:r>
-          </a:p>
-          <a:p>
-            <a:r>
-              <a:rPr lang="en-GB" altLang="zh-TW" dirty="0"/>
-              <a:t>Don’t forget to define </a:t>
-            </a:r>
-            <a:r>
-              <a:rPr lang="en-GB" altLang="zh-TW" dirty="0">
-                <a:solidFill>
-                  <a:srgbClr val="FF0000"/>
-                </a:solidFill>
-              </a:rPr>
-              <a:t>==, </a:t>
-            </a:r>
-            <a:r>
-              <a:rPr lang="en-GB" altLang="zh-TW">
-                <a:solidFill>
-                  <a:srgbClr val="FF0000"/>
-                </a:solidFill>
-              </a:rPr>
-              <a:t>hash </a:t>
+              <a:t>, set&lt;</a:t>
+            </a:r>
+            <a:r>
+              <a:rPr lang="en-GB" altLang="zh-TW" dirty="0" err="1"/>
+              <a:t>int</a:t>
+            </a:r>
+            <a:r>
+              <a:rPr lang="en-GB" altLang="zh-TW" dirty="0"/>
+              <a:t>&gt;&gt; that stores the result of the max value that can be obtained from the set&lt;</a:t>
+            </a:r>
+            <a:r>
+              <a:rPr lang="en-GB" altLang="zh-TW" dirty="0" err="1"/>
+              <a:t>int</a:t>
+            </a:r>
+            <a:r>
+              <a:rPr lang="en-GB" altLang="zh-TW" dirty="0"/>
+              <a:t>&gt; argument…</a:t>
+            </a:r>
+          </a:p>
+          <a:p>
+            <a:endParaRPr lang="en-GB" altLang="zh-TW" dirty="0"/>
+          </a:p>
+          <a:p>
+            <a:r>
+              <a:rPr lang="en-GB" altLang="zh-TW" dirty="0"/>
+              <a:t>For a more compact set representation, you can use bitmask (will talk about this in the </a:t>
             </a:r>
             <a:r>
               <a:rPr lang="en-GB" altLang="zh-TW"/>
-              <a:t>function!</a:t>
-            </a:r>
-            <a:endParaRPr lang="en-GB" altLang="zh-TW" dirty="0"/>
-          </a:p>
-          <a:p>
+              <a:t>last lecture)</a:t>
+            </a:r>
             <a:endParaRPr lang="en-GB" altLang="zh-TW" dirty="0"/>
           </a:p>
           <a:p>
